--- a/Presentation_NLP_fall22.pptx
+++ b/Presentation_NLP_fall22.pptx
@@ -6,12 +6,6 @@
   </p:sldMasterIdLst>
   <p:sldIdLst>
     <p:sldId id="256" r:id="rId2"/>
-    <p:sldId id="257" r:id="rId3"/>
-    <p:sldId id="258" r:id="rId4"/>
-    <p:sldId id="259" r:id="rId5"/>
-    <p:sldId id="260" r:id="rId6"/>
-    <p:sldId id="262" r:id="rId7"/>
-    <p:sldId id="261" r:id="rId8"/>
   </p:sldIdLst>
   <p:sldSz cx="12192000" cy="6858000"/>
   <p:notesSz cx="6858000" cy="9144000"/>
@@ -3345,141 +3339,74 @@
         </p:nvSpPr>
         <p:spPr>
           <a:xfrm>
-            <a:off x="1776920" y="2240165"/>
+            <a:off x="-1484919" y="132676"/>
             <a:ext cx="9144000" cy="1655762"/>
           </a:xfrm>
         </p:spPr>
         <p:txBody>
           <a:bodyPr>
-            <a:normAutofit fontScale="92500" lnSpcReduction="20000"/>
+            <a:normAutofit/>
           </a:bodyPr>
           <a:lstStyle/>
           <a:p>
             <a:r>
-              <a:rPr lang="en-US" dirty="0">
+              <a:rPr lang="en-US" sz="1800" dirty="0">
                 <a:effectLst/>
                 <a:latin typeface="Arial" panose="020B0604020202020204" pitchFamily="34" charset="0"/>
               </a:rPr>
               <a:t>Extracting synthesis procedure from solar cell</a:t>
             </a:r>
             <a:br>
-              <a:rPr lang="en-US" dirty="0"/>
+              <a:rPr lang="en-US" sz="1800" dirty="0"/>
             </a:br>
             <a:r>
-              <a:rPr lang="en-US" dirty="0">
+              <a:rPr lang="en-US" sz="1800" dirty="0">
                 <a:effectLst/>
                 <a:latin typeface="Arial" panose="020B0604020202020204" pitchFamily="34" charset="0"/>
               </a:rPr>
               <a:t>perovskite based scientific publications using</a:t>
             </a:r>
             <a:br>
-              <a:rPr lang="en-US" dirty="0"/>
+              <a:rPr lang="en-US" sz="1800" dirty="0"/>
             </a:br>
             <a:r>
-              <a:rPr lang="en-US" dirty="0">
+              <a:rPr lang="en-US" sz="1800" dirty="0">
                 <a:effectLst/>
                 <a:latin typeface="Arial" panose="020B0604020202020204" pitchFamily="34" charset="0"/>
               </a:rPr>
-              <a:t>Natural Language Processing.</a:t>
-            </a:r>
-          </a:p>
-          <a:p>
-            <a:endParaRPr lang="en-US" dirty="0">
+              <a:t>Natural Language Processing</a:t>
+            </a:r>
+            <a:endParaRPr lang="en-US" sz="1800" dirty="0">
               <a:latin typeface="Arial" panose="020B0604020202020204" pitchFamily="34" charset="0"/>
             </a:endParaRPr>
           </a:p>
           <a:p>
             <a:r>
-              <a:rPr lang="en-US" dirty="0">
+              <a:rPr lang="en-US" sz="1800" dirty="0">
                 <a:latin typeface="Arial" panose="020B0604020202020204" pitchFamily="34" charset="0"/>
               </a:rPr>
               <a:t>Presented By: Sourin Dey</a:t>
             </a:r>
-            <a:endParaRPr lang="en-US" dirty="0"/>
-          </a:p>
-        </p:txBody>
-      </p:sp>
-    </p:spTree>
-    <p:extLst>
-      <p:ext uri="{BB962C8B-B14F-4D97-AF65-F5344CB8AC3E}">
-        <p14:creationId xmlns:p14="http://schemas.microsoft.com/office/powerpoint/2010/main" val="380907062"/>
-      </p:ext>
-    </p:extLst>
-  </p:cSld>
-  <p:clrMapOvr>
-    <a:masterClrMapping/>
-  </p:clrMapOvr>
-</p:sld>
-</file>
-
-<file path=ppt/slides/slide2.xml><?xml version="1.0" encoding="utf-8"?>
-<p:sld xmlns:a="http://schemas.openxmlformats.org/drawingml/2006/main" xmlns:r="http://schemas.openxmlformats.org/officeDocument/2006/relationships" xmlns:p="http://schemas.openxmlformats.org/presentationml/2006/main">
-  <p:cSld>
-    <p:spTree>
-      <p:nvGrpSpPr>
-        <p:cNvPr id="1" name=""/>
-        <p:cNvGrpSpPr/>
-        <p:nvPr/>
-      </p:nvGrpSpPr>
-      <p:grpSpPr>
-        <a:xfrm>
-          <a:off x="0" y="0"/>
-          <a:ext cx="0" cy="0"/>
-          <a:chOff x="0" y="0"/>
-          <a:chExt cx="0" cy="0"/>
-        </a:xfrm>
-      </p:grpSpPr>
-      <p:sp>
-        <p:nvSpPr>
-          <p:cNvPr id="2" name="Title 1">
-            <a:extLst>
-              <a:ext uri="{FF2B5EF4-FFF2-40B4-BE49-F238E27FC236}">
-                <a16:creationId xmlns:a16="http://schemas.microsoft.com/office/drawing/2014/main" id="{7D8E9D55-D938-5C21-8D4B-46E07BDCC797}"/>
-              </a:ext>
-            </a:extLst>
-          </p:cNvPr>
-          <p:cNvSpPr>
-            <a:spLocks noGrp="1"/>
-          </p:cNvSpPr>
-          <p:nvPr>
-            <p:ph type="title"/>
-          </p:nvPr>
+            <a:endParaRPr lang="en-US" sz="1800" dirty="0"/>
+          </a:p>
+        </p:txBody>
+      </p:sp>
+      <p:sp>
+        <p:nvSpPr>
+          <p:cNvPr id="4" name="TextBox 3">
+            <a:extLst>
+              <a:ext uri="{FF2B5EF4-FFF2-40B4-BE49-F238E27FC236}">
+                <a16:creationId xmlns:a16="http://schemas.microsoft.com/office/drawing/2014/main" id="{834F6DB1-3361-9EBA-B2B8-DDF221C38075}"/>
+              </a:ext>
+            </a:extLst>
+          </p:cNvPr>
+          <p:cNvSpPr txBox="1"/>
+          <p:nvPr/>
         </p:nvSpPr>
         <p:spPr>
           <a:xfrm>
-            <a:off x="838200" y="365126"/>
-            <a:ext cx="10515600" cy="683282"/>
-          </a:xfrm>
-        </p:spPr>
-        <p:txBody>
-          <a:bodyPr>
-            <a:normAutofit/>
-          </a:bodyPr>
-          <a:lstStyle/>
-          <a:p>
-            <a:r>
-              <a:rPr lang="en-US" sz="3600" dirty="0"/>
-              <a:t>Background</a:t>
-            </a:r>
-          </a:p>
-        </p:txBody>
-      </p:sp>
-      <p:sp>
-        <p:nvSpPr>
-          <p:cNvPr id="7" name="TextBox 6">
-            <a:extLst>
-              <a:ext uri="{FF2B5EF4-FFF2-40B4-BE49-F238E27FC236}">
-                <a16:creationId xmlns:a16="http://schemas.microsoft.com/office/drawing/2014/main" id="{03B1650E-5967-016C-0B71-73F4A02084B6}"/>
-              </a:ext>
-            </a:extLst>
-          </p:cNvPr>
-          <p:cNvSpPr txBox="1"/>
-          <p:nvPr/>
-        </p:nvSpPr>
-        <p:spPr>
-          <a:xfrm>
-            <a:off x="838199" y="1433588"/>
-            <a:ext cx="8644759" cy="1754326"/>
+            <a:off x="324851" y="1265146"/>
+            <a:ext cx="8644759" cy="1384995"/>
           </a:xfrm>
           <a:prstGeom prst="rect">
             <a:avLst/>
@@ -3492,16 +3419,37 @@
           </a:bodyPr>
           <a:lstStyle/>
           <a:p>
+            <a:endParaRPr lang="en-US" dirty="0">
+              <a:effectLst/>
+              <a:latin typeface="Arial" panose="020B0604020202020204" pitchFamily="34" charset="0"/>
+            </a:endParaRPr>
+          </a:p>
+          <a:p>
             <a:pPr marL="285750" indent="-285750">
               <a:buFont typeface="Arial" panose="020B0604020202020204" pitchFamily="34" charset="0"/>
               <a:buChar char="•"/>
             </a:pPr>
             <a:r>
-              <a:rPr lang="en-US" dirty="0">
+              <a:rPr lang="en-US" sz="1600" dirty="0">
                 <a:effectLst/>
                 <a:latin typeface="Arial" panose="020B0604020202020204" pitchFamily="34" charset="0"/>
               </a:rPr>
-              <a:t>Valuable information has been largely un-explored which has the potential to tell us which materials can be used and which materials will produce bad solar cells.</a:t>
+              <a:t>Exploring scientific articles and extracting useful information</a:t>
+            </a:r>
+          </a:p>
+          <a:p>
+            <a:r>
+              <a:rPr lang="en-US" sz="1600" dirty="0">
+                <a:latin typeface="Arial" panose="020B0604020202020204" pitchFamily="34" charset="0"/>
+              </a:rPr>
+              <a:t>     </a:t>
+            </a:r>
+            <a:r>
+              <a:rPr lang="en-US" sz="1600" dirty="0">
+                <a:effectLst/>
+                <a:latin typeface="Arial" panose="020B0604020202020204" pitchFamily="34" charset="0"/>
+              </a:rPr>
+              <a:t> from solar cells using NLP.</a:t>
             </a:r>
           </a:p>
           <a:p>
@@ -3510,164 +3458,35 @@
               <a:buChar char="•"/>
             </a:pPr>
             <a:r>
-              <a:rPr lang="en-US" dirty="0">
-                <a:effectLst/>
+              <a:rPr lang="en-US" sz="1600" dirty="0">
                 <a:latin typeface="Arial" panose="020B0604020202020204" pitchFamily="34" charset="0"/>
               </a:rPr>
-              <a:t>Exploring scientific articles and extracting useful information from solar cells using NLP.</a:t>
-            </a:r>
-          </a:p>
-          <a:p>
-            <a:pPr marL="285750" indent="-285750">
-              <a:buFont typeface="Arial" panose="020B0604020202020204" pitchFamily="34" charset="0"/>
-              <a:buChar char="•"/>
-            </a:pPr>
+              <a:t>Using Bio-BERT pretrained model</a:t>
+            </a:r>
+          </a:p>
+          <a:p>
+            <a:r>
+              <a:rPr lang="en-US" sz="1600" dirty="0">
+                <a:latin typeface="Arial" panose="020B0604020202020204" pitchFamily="34" charset="0"/>
+              </a:rPr>
+              <a:t>     and fine-tune to model NER and relation extraction</a:t>
+            </a:r>
             <a:r>
               <a:rPr lang="en-US" dirty="0">
                 <a:latin typeface="Arial" panose="020B0604020202020204" pitchFamily="34" charset="0"/>
               </a:rPr>
-              <a:t>Using Bio-BERT pretrained model and fine-tune to model NER and relation extraction.</a:t>
+              <a:t>.</a:t>
             </a:r>
             <a:endParaRPr lang="en-US" dirty="0"/>
-          </a:p>
-        </p:txBody>
-      </p:sp>
-    </p:spTree>
-    <p:extLst>
-      <p:ext uri="{BB962C8B-B14F-4D97-AF65-F5344CB8AC3E}">
-        <p14:creationId xmlns:p14="http://schemas.microsoft.com/office/powerpoint/2010/main" val="2580760954"/>
-      </p:ext>
-    </p:extLst>
-  </p:cSld>
-  <p:clrMapOvr>
-    <a:masterClrMapping/>
-  </p:clrMapOvr>
-</p:sld>
-</file>
-
-<file path=ppt/slides/slide3.xml><?xml version="1.0" encoding="utf-8"?>
-<p:sld xmlns:a="http://schemas.openxmlformats.org/drawingml/2006/main" xmlns:r="http://schemas.openxmlformats.org/officeDocument/2006/relationships" xmlns:p="http://schemas.openxmlformats.org/presentationml/2006/main">
-  <p:cSld>
-    <p:spTree>
-      <p:nvGrpSpPr>
-        <p:cNvPr id="1" name=""/>
-        <p:cNvGrpSpPr/>
-        <p:nvPr/>
-      </p:nvGrpSpPr>
-      <p:grpSpPr>
-        <a:xfrm>
-          <a:off x="0" y="0"/>
-          <a:ext cx="0" cy="0"/>
-          <a:chOff x="0" y="0"/>
-          <a:chExt cx="0" cy="0"/>
-        </a:xfrm>
-      </p:grpSpPr>
-      <p:sp>
-        <p:nvSpPr>
-          <p:cNvPr id="2" name="Title 1">
-            <a:extLst>
-              <a:ext uri="{FF2B5EF4-FFF2-40B4-BE49-F238E27FC236}">
-                <a16:creationId xmlns:a16="http://schemas.microsoft.com/office/drawing/2014/main" id="{7D8E9D55-D938-5C21-8D4B-46E07BDCC797}"/>
-              </a:ext>
-            </a:extLst>
-          </p:cNvPr>
-          <p:cNvSpPr>
-            <a:spLocks noGrp="1"/>
-          </p:cNvSpPr>
-          <p:nvPr>
-            <p:ph type="title"/>
-          </p:nvPr>
-        </p:nvSpPr>
-        <p:spPr>
-          <a:xfrm>
-            <a:off x="838200" y="365126"/>
-            <a:ext cx="10515600" cy="683282"/>
-          </a:xfrm>
-        </p:spPr>
-        <p:txBody>
-          <a:bodyPr>
-            <a:normAutofit/>
-          </a:bodyPr>
-          <a:lstStyle/>
-          <a:p>
-            <a:r>
-              <a:rPr lang="en-US" sz="3600" dirty="0"/>
-              <a:t>Background</a:t>
-            </a:r>
-          </a:p>
-        </p:txBody>
-      </p:sp>
-    </p:spTree>
-    <p:extLst>
-      <p:ext uri="{BB962C8B-B14F-4D97-AF65-F5344CB8AC3E}">
-        <p14:creationId xmlns:p14="http://schemas.microsoft.com/office/powerpoint/2010/main" val="2611490011"/>
-      </p:ext>
-    </p:extLst>
-  </p:cSld>
-  <p:clrMapOvr>
-    <a:masterClrMapping/>
-  </p:clrMapOvr>
-</p:sld>
-</file>
-
-<file path=ppt/slides/slide4.xml><?xml version="1.0" encoding="utf-8"?>
-<p:sld xmlns:a="http://schemas.openxmlformats.org/drawingml/2006/main" xmlns:r="http://schemas.openxmlformats.org/officeDocument/2006/relationships" xmlns:p="http://schemas.openxmlformats.org/presentationml/2006/main">
-  <p:cSld>
-    <p:spTree>
-      <p:nvGrpSpPr>
-        <p:cNvPr id="1" name=""/>
-        <p:cNvGrpSpPr/>
-        <p:nvPr/>
-      </p:nvGrpSpPr>
-      <p:grpSpPr>
-        <a:xfrm>
-          <a:off x="0" y="0"/>
-          <a:ext cx="0" cy="0"/>
-          <a:chOff x="0" y="0"/>
-          <a:chExt cx="0" cy="0"/>
-        </a:xfrm>
-      </p:grpSpPr>
-      <p:sp>
-        <p:nvSpPr>
-          <p:cNvPr id="2" name="Title 1">
-            <a:extLst>
-              <a:ext uri="{FF2B5EF4-FFF2-40B4-BE49-F238E27FC236}">
-                <a16:creationId xmlns:a16="http://schemas.microsoft.com/office/drawing/2014/main" id="{7D8E9D55-D938-5C21-8D4B-46E07BDCC797}"/>
-              </a:ext>
-            </a:extLst>
-          </p:cNvPr>
-          <p:cNvSpPr>
-            <a:spLocks noGrp="1"/>
-          </p:cNvSpPr>
-          <p:nvPr>
-            <p:ph type="title"/>
-          </p:nvPr>
-        </p:nvSpPr>
-        <p:spPr>
-          <a:xfrm>
-            <a:off x="838200" y="365126"/>
-            <a:ext cx="10515600" cy="683282"/>
-          </a:xfrm>
-        </p:spPr>
-        <p:txBody>
-          <a:bodyPr>
-            <a:normAutofit/>
-          </a:bodyPr>
-          <a:lstStyle/>
-          <a:p>
-            <a:r>
-              <a:rPr lang="en-US" sz="3600" dirty="0"/>
-              <a:t>Problem</a:t>
-            </a:r>
           </a:p>
         </p:txBody>
       </p:sp>
       <p:pic>
         <p:nvPicPr>
-          <p:cNvPr id="4" name="Picture 3">
-            <a:extLst>
-              <a:ext uri="{FF2B5EF4-FFF2-40B4-BE49-F238E27FC236}">
-                <a16:creationId xmlns:a16="http://schemas.microsoft.com/office/drawing/2014/main" id="{2484CCCF-0949-A119-E858-437CF1BB0CD8}"/>
+          <p:cNvPr id="5" name="Picture 4">
+            <a:extLst>
+              <a:ext uri="{FF2B5EF4-FFF2-40B4-BE49-F238E27FC236}">
+                <a16:creationId xmlns:a16="http://schemas.microsoft.com/office/drawing/2014/main" id="{72E4F562-263D-3555-6C38-C2FFECE92400}"/>
               </a:ext>
             </a:extLst>
           </p:cNvPr>
@@ -3684,8 +3503,68 @@
         </p:blipFill>
         <p:spPr>
           <a:xfrm>
-            <a:off x="2766049" y="1220705"/>
-            <a:ext cx="6659901" cy="5162058"/>
+            <a:off x="466927" y="2782093"/>
+            <a:ext cx="5087414" cy="3943231"/>
+          </a:xfrm>
+          <a:prstGeom prst="rect">
+            <a:avLst/>
+          </a:prstGeom>
+        </p:spPr>
+      </p:pic>
+      <p:pic>
+        <p:nvPicPr>
+          <p:cNvPr id="6" name="Picture 5">
+            <a:extLst>
+              <a:ext uri="{FF2B5EF4-FFF2-40B4-BE49-F238E27FC236}">
+                <a16:creationId xmlns:a16="http://schemas.microsoft.com/office/drawing/2014/main" id="{37457B02-19A1-72AF-C95F-AE301333BB99}"/>
+              </a:ext>
+            </a:extLst>
+          </p:cNvPr>
+          <p:cNvPicPr>
+            <a:picLocks noChangeAspect="1"/>
+          </p:cNvPicPr>
+          <p:nvPr/>
+        </p:nvPicPr>
+        <p:blipFill>
+          <a:blip r:embed="rId3"/>
+          <a:stretch>
+            <a:fillRect/>
+          </a:stretch>
+        </p:blipFill>
+        <p:spPr>
+          <a:xfrm>
+            <a:off x="5474848" y="0"/>
+            <a:ext cx="6211314" cy="2104449"/>
+          </a:xfrm>
+          <a:prstGeom prst="rect">
+            <a:avLst/>
+          </a:prstGeom>
+        </p:spPr>
+      </p:pic>
+      <p:pic>
+        <p:nvPicPr>
+          <p:cNvPr id="8" name="Picture 7">
+            <a:extLst>
+              <a:ext uri="{FF2B5EF4-FFF2-40B4-BE49-F238E27FC236}">
+                <a16:creationId xmlns:a16="http://schemas.microsoft.com/office/drawing/2014/main" id="{2DDF181B-0D35-E837-CFC5-D71673BCFA40}"/>
+              </a:ext>
+            </a:extLst>
+          </p:cNvPr>
+          <p:cNvPicPr>
+            <a:picLocks noChangeAspect="1"/>
+          </p:cNvPicPr>
+          <p:nvPr/>
+        </p:nvPicPr>
+        <p:blipFill>
+          <a:blip r:embed="rId4"/>
+          <a:stretch>
+            <a:fillRect/>
+          </a:stretch>
+        </p:blipFill>
+        <p:spPr>
+          <a:xfrm>
+            <a:off x="6050152" y="2650141"/>
+            <a:ext cx="4729228" cy="3487805"/>
           </a:xfrm>
           <a:prstGeom prst="rect">
             <a:avLst/>
@@ -3695,307 +3574,7 @@
     </p:spTree>
     <p:extLst>
       <p:ext uri="{BB962C8B-B14F-4D97-AF65-F5344CB8AC3E}">
-        <p14:creationId xmlns:p14="http://schemas.microsoft.com/office/powerpoint/2010/main" val="3993854336"/>
-      </p:ext>
-    </p:extLst>
-  </p:cSld>
-  <p:clrMapOvr>
-    <a:masterClrMapping/>
-  </p:clrMapOvr>
-</p:sld>
-</file>
-
-<file path=ppt/slides/slide5.xml><?xml version="1.0" encoding="utf-8"?>
-<p:sld xmlns:a="http://schemas.openxmlformats.org/drawingml/2006/main" xmlns:r="http://schemas.openxmlformats.org/officeDocument/2006/relationships" xmlns:p="http://schemas.openxmlformats.org/presentationml/2006/main">
-  <p:cSld>
-    <p:spTree>
-      <p:nvGrpSpPr>
-        <p:cNvPr id="1" name=""/>
-        <p:cNvGrpSpPr/>
-        <p:nvPr/>
-      </p:nvGrpSpPr>
-      <p:grpSpPr>
-        <a:xfrm>
-          <a:off x="0" y="0"/>
-          <a:ext cx="0" cy="0"/>
-          <a:chOff x="0" y="0"/>
-          <a:chExt cx="0" cy="0"/>
-        </a:xfrm>
-      </p:grpSpPr>
-      <p:sp>
-        <p:nvSpPr>
-          <p:cNvPr id="2" name="Title 1">
-            <a:extLst>
-              <a:ext uri="{FF2B5EF4-FFF2-40B4-BE49-F238E27FC236}">
-                <a16:creationId xmlns:a16="http://schemas.microsoft.com/office/drawing/2014/main" id="{7D8E9D55-D938-5C21-8D4B-46E07BDCC797}"/>
-              </a:ext>
-            </a:extLst>
-          </p:cNvPr>
-          <p:cNvSpPr>
-            <a:spLocks noGrp="1"/>
-          </p:cNvSpPr>
-          <p:nvPr>
-            <p:ph type="title"/>
-          </p:nvPr>
-        </p:nvSpPr>
-        <p:spPr>
-          <a:xfrm>
-            <a:off x="838200" y="365126"/>
-            <a:ext cx="10515600" cy="683282"/>
-          </a:xfrm>
-        </p:spPr>
-        <p:txBody>
-          <a:bodyPr>
-            <a:normAutofit/>
-          </a:bodyPr>
-          <a:lstStyle/>
-          <a:p>
-            <a:r>
-              <a:rPr lang="en-US" sz="3600" dirty="0"/>
-              <a:t>Method</a:t>
-            </a:r>
-          </a:p>
-        </p:txBody>
-      </p:sp>
-      <p:pic>
-        <p:nvPicPr>
-          <p:cNvPr id="4" name="Picture 3">
-            <a:extLst>
-              <a:ext uri="{FF2B5EF4-FFF2-40B4-BE49-F238E27FC236}">
-                <a16:creationId xmlns:a16="http://schemas.microsoft.com/office/drawing/2014/main" id="{D964D153-2BDA-8DFD-029F-EDAA7D0F4CF1}"/>
-              </a:ext>
-            </a:extLst>
-          </p:cNvPr>
-          <p:cNvPicPr>
-            <a:picLocks noChangeAspect="1"/>
-          </p:cNvPicPr>
-          <p:nvPr/>
-        </p:nvPicPr>
-        <p:blipFill>
-          <a:blip r:embed="rId2"/>
-          <a:stretch>
-            <a:fillRect/>
-          </a:stretch>
-        </p:blipFill>
-        <p:spPr>
-          <a:xfrm>
-            <a:off x="1291955" y="1974106"/>
-            <a:ext cx="9277350" cy="3143250"/>
-          </a:xfrm>
-          <a:prstGeom prst="rect">
-            <a:avLst/>
-          </a:prstGeom>
-        </p:spPr>
-      </p:pic>
-    </p:spTree>
-    <p:extLst>
-      <p:ext uri="{BB962C8B-B14F-4D97-AF65-F5344CB8AC3E}">
-        <p14:creationId xmlns:p14="http://schemas.microsoft.com/office/powerpoint/2010/main" val="988598240"/>
-      </p:ext>
-    </p:extLst>
-  </p:cSld>
-  <p:clrMapOvr>
-    <a:masterClrMapping/>
-  </p:clrMapOvr>
-</p:sld>
-</file>
-
-<file path=ppt/slides/slide6.xml><?xml version="1.0" encoding="utf-8"?>
-<p:sld xmlns:a="http://schemas.openxmlformats.org/drawingml/2006/main" xmlns:r="http://schemas.openxmlformats.org/officeDocument/2006/relationships" xmlns:p="http://schemas.openxmlformats.org/presentationml/2006/main">
-  <p:cSld>
-    <p:spTree>
-      <p:nvGrpSpPr>
-        <p:cNvPr id="1" name=""/>
-        <p:cNvGrpSpPr/>
-        <p:nvPr/>
-      </p:nvGrpSpPr>
-      <p:grpSpPr>
-        <a:xfrm>
-          <a:off x="0" y="0"/>
-          <a:ext cx="0" cy="0"/>
-          <a:chOff x="0" y="0"/>
-          <a:chExt cx="0" cy="0"/>
-        </a:xfrm>
-      </p:grpSpPr>
-      <p:sp>
-        <p:nvSpPr>
-          <p:cNvPr id="2" name="Title 1">
-            <a:extLst>
-              <a:ext uri="{FF2B5EF4-FFF2-40B4-BE49-F238E27FC236}">
-                <a16:creationId xmlns:a16="http://schemas.microsoft.com/office/drawing/2014/main" id="{7D8E9D55-D938-5C21-8D4B-46E07BDCC797}"/>
-              </a:ext>
-            </a:extLst>
-          </p:cNvPr>
-          <p:cNvSpPr>
-            <a:spLocks noGrp="1"/>
-          </p:cNvSpPr>
-          <p:nvPr>
-            <p:ph type="title"/>
-          </p:nvPr>
-        </p:nvSpPr>
-        <p:spPr>
-          <a:xfrm>
-            <a:off x="838200" y="365126"/>
-            <a:ext cx="10515600" cy="683282"/>
-          </a:xfrm>
-        </p:spPr>
-        <p:txBody>
-          <a:bodyPr>
-            <a:normAutofit/>
-          </a:bodyPr>
-          <a:lstStyle/>
-          <a:p>
-            <a:r>
-              <a:rPr lang="en-US" sz="3600" dirty="0"/>
-              <a:t>Method</a:t>
-            </a:r>
-          </a:p>
-        </p:txBody>
-      </p:sp>
-      <p:pic>
-        <p:nvPicPr>
-          <p:cNvPr id="5" name="Picture 4">
-            <a:extLst>
-              <a:ext uri="{FF2B5EF4-FFF2-40B4-BE49-F238E27FC236}">
-                <a16:creationId xmlns:a16="http://schemas.microsoft.com/office/drawing/2014/main" id="{4E6BF696-4771-85CF-306D-971DF0D005B8}"/>
-              </a:ext>
-            </a:extLst>
-          </p:cNvPr>
-          <p:cNvPicPr>
-            <a:picLocks noChangeAspect="1"/>
-          </p:cNvPicPr>
-          <p:nvPr/>
-        </p:nvPicPr>
-        <p:blipFill>
-          <a:blip r:embed="rId2"/>
-          <a:stretch>
-            <a:fillRect/>
-          </a:stretch>
-        </p:blipFill>
-        <p:spPr>
-          <a:xfrm>
-            <a:off x="1042785" y="1524000"/>
-            <a:ext cx="9172575" cy="3810000"/>
-          </a:xfrm>
-          <a:prstGeom prst="rect">
-            <a:avLst/>
-          </a:prstGeom>
-        </p:spPr>
-      </p:pic>
-    </p:spTree>
-    <p:extLst>
-      <p:ext uri="{BB962C8B-B14F-4D97-AF65-F5344CB8AC3E}">
-        <p14:creationId xmlns:p14="http://schemas.microsoft.com/office/powerpoint/2010/main" val="2876274860"/>
-      </p:ext>
-    </p:extLst>
-  </p:cSld>
-  <p:clrMapOvr>
-    <a:masterClrMapping/>
-  </p:clrMapOvr>
-</p:sld>
-</file>
-
-<file path=ppt/slides/slide7.xml><?xml version="1.0" encoding="utf-8"?>
-<p:sld xmlns:a="http://schemas.openxmlformats.org/drawingml/2006/main" xmlns:r="http://schemas.openxmlformats.org/officeDocument/2006/relationships" xmlns:p="http://schemas.openxmlformats.org/presentationml/2006/main">
-  <p:cSld>
-    <p:bg>
-      <p:bgPr>
-        <a:solidFill>
-          <a:schemeClr val="bg1"/>
-        </a:solidFill>
-        <a:effectLst/>
-      </p:bgPr>
-    </p:bg>
-    <p:spTree>
-      <p:nvGrpSpPr>
-        <p:cNvPr id="1" name=""/>
-        <p:cNvGrpSpPr/>
-        <p:nvPr/>
-      </p:nvGrpSpPr>
-      <p:grpSpPr>
-        <a:xfrm>
-          <a:off x="0" y="0"/>
-          <a:ext cx="0" cy="0"/>
-          <a:chOff x="0" y="0"/>
-          <a:chExt cx="0" cy="0"/>
-        </a:xfrm>
-      </p:grpSpPr>
-      <p:sp>
-        <p:nvSpPr>
-          <p:cNvPr id="2" name="Title 1">
-            <a:extLst>
-              <a:ext uri="{FF2B5EF4-FFF2-40B4-BE49-F238E27FC236}">
-                <a16:creationId xmlns:a16="http://schemas.microsoft.com/office/drawing/2014/main" id="{7D8E9D55-D938-5C21-8D4B-46E07BDCC797}"/>
-              </a:ext>
-            </a:extLst>
-          </p:cNvPr>
-          <p:cNvSpPr>
-            <a:spLocks noGrp="1"/>
-          </p:cNvSpPr>
-          <p:nvPr>
-            <p:ph type="title"/>
-          </p:nvPr>
-        </p:nvSpPr>
-        <p:spPr>
-          <a:xfrm>
-            <a:off x="838199" y="291090"/>
-            <a:ext cx="10515599" cy="932688"/>
-          </a:xfrm>
-        </p:spPr>
-        <p:txBody>
-          <a:bodyPr vert="horz" lIns="91440" tIns="45720" rIns="91440" bIns="45720" rtlCol="0" anchor="b">
-            <a:normAutofit/>
-          </a:bodyPr>
-          <a:lstStyle/>
-          <a:p>
-            <a:r>
-              <a:rPr lang="en-US" sz="5400" kern="1200">
-                <a:solidFill>
-                  <a:schemeClr val="tx1"/>
-                </a:solidFill>
-                <a:latin typeface="+mj-lt"/>
-                <a:ea typeface="+mj-ea"/>
-                <a:cs typeface="+mj-cs"/>
-              </a:rPr>
-              <a:t>Results and Discussion</a:t>
-            </a:r>
-          </a:p>
-        </p:txBody>
-      </p:sp>
-      <p:pic>
-        <p:nvPicPr>
-          <p:cNvPr id="4" name="Picture 3">
-            <a:extLst>
-              <a:ext uri="{FF2B5EF4-FFF2-40B4-BE49-F238E27FC236}">
-                <a16:creationId xmlns:a16="http://schemas.microsoft.com/office/drawing/2014/main" id="{2B40A55D-6A79-2FB1-D9DF-473AB8367DFC}"/>
-              </a:ext>
-            </a:extLst>
-          </p:cNvPr>
-          <p:cNvPicPr>
-            <a:picLocks noChangeAspect="1"/>
-          </p:cNvPicPr>
-          <p:nvPr/>
-        </p:nvPicPr>
-        <p:blipFill>
-          <a:blip r:embed="rId2"/>
-          <a:stretch>
-            <a:fillRect/>
-          </a:stretch>
-        </p:blipFill>
-        <p:spPr>
-          <a:xfrm>
-            <a:off x="3085324" y="1863801"/>
-            <a:ext cx="6021351" cy="4440746"/>
-          </a:xfrm>
-          <a:prstGeom prst="rect">
-            <a:avLst/>
-          </a:prstGeom>
-        </p:spPr>
-      </p:pic>
-    </p:spTree>
-    <p:extLst>
-      <p:ext uri="{BB962C8B-B14F-4D97-AF65-F5344CB8AC3E}">
-        <p14:creationId xmlns:p14="http://schemas.microsoft.com/office/powerpoint/2010/main" val="2484461091"/>
+        <p14:creationId xmlns:p14="http://schemas.microsoft.com/office/powerpoint/2010/main" val="380907062"/>
       </p:ext>
     </p:extLst>
   </p:cSld>
